--- a/Python Assignment.pptx
+++ b/Python Assignment.pptx
@@ -25469,14 +25469,13 @@
           </a:bodyPr>
           <a:lstStyle/>
           <a:p>
-            <a:pPr algn="ctr"/>
             <a:r>
               <a:rPr lang="en-US" dirty="0"/>
               <a:t>For reference-</a:t>
             </a:r>
           </a:p>
           <a:p>
-            <a:pPr marL="285750" indent="-285750" algn="ctr">
+            <a:pPr marL="285750" indent="-285750">
               <a:buFont typeface="Arial" panose="020B0604020202020204" pitchFamily="34" charset="0"/>
               <a:buChar char="•"/>
             </a:pPr>
@@ -25486,7 +25485,7 @@
             </a:r>
           </a:p>
           <a:p>
-            <a:pPr marL="285750" indent="-285750" algn="ctr">
+            <a:pPr marL="285750" indent="-285750">
               <a:buFont typeface="Arial" panose="020B0604020202020204" pitchFamily="34" charset="0"/>
               <a:buChar char="•"/>
             </a:pPr>
@@ -25557,30 +25556,33 @@
           </a:bodyPr>
           <a:lstStyle/>
           <a:p>
-            <a:pPr algn="ctr"/>
-            <a:r>
-              <a:rPr lang="en-US"/>
+            <a:r>
+              <a:rPr lang="en-US" dirty="0"/>
               <a:t>For reference-</a:t>
             </a:r>
           </a:p>
           <a:p>
-            <a:pPr marL="285750" indent="-285750" algn="ctr">
+            <a:pPr marL="285750" indent="-285750">
               <a:buFont typeface="Arial" panose="020B0604020202020204" pitchFamily="34" charset="0"/>
               <a:buChar char="•"/>
             </a:pPr>
             <a:r>
-              <a:rPr lang="en-US"/>
+              <a:rPr lang="en-US" dirty="0"/>
               <a:t>0= no of customers retained</a:t>
             </a:r>
           </a:p>
           <a:p>
-            <a:pPr marL="285750" indent="-285750" algn="ctr">
+            <a:pPr marL="285750" indent="-285750">
               <a:buFont typeface="Arial" panose="020B0604020202020204" pitchFamily="34" charset="0"/>
               <a:buChar char="•"/>
             </a:pPr>
             <a:r>
-              <a:rPr lang="en-US"/>
-              <a:t>1= no of customers leaving the organinsation</a:t>
+              <a:rPr lang="en-US" dirty="0"/>
+              <a:t>1= no of customers leaving the </a:t>
+            </a:r>
+            <a:r>
+              <a:rPr lang="en-US" dirty="0" err="1"/>
+              <a:t>organinsation</a:t>
             </a:r>
             <a:endParaRPr lang="en-US" dirty="0"/>
           </a:p>
@@ -26162,31 +26164,6 @@
           </a:p>
         </p:txBody>
       </p:sp>
-      <p:sp>
-        <p:nvSpPr>
-          <p:cNvPr id="4" name="Title 3">
-            <a:extLst>
-              <a:ext uri="{FF2B5EF4-FFF2-40B4-BE49-F238E27FC236}">
-                <a16:creationId xmlns:a16="http://schemas.microsoft.com/office/drawing/2014/main" xmlns="" id="{069CEA2A-FD8F-4FED-905E-966C8CA410AD}"/>
-              </a:ext>
-            </a:extLst>
-          </p:cNvPr>
-          <p:cNvSpPr>
-            <a:spLocks noGrp="1"/>
-          </p:cNvSpPr>
-          <p:nvPr>
-            <p:ph type="ctrTitle"/>
-          </p:nvPr>
-        </p:nvSpPr>
-        <p:spPr/>
-        <p:txBody>
-          <a:bodyPr/>
-          <a:lstStyle/>
-          <a:p>
-            <a:endParaRPr lang="en-US"/>
-          </a:p>
-        </p:txBody>
-      </p:sp>
       <p:pic>
         <p:nvPicPr>
           <p:cNvPr id="7" name="Picture 6">
@@ -26363,14 +26340,13 @@
           </a:bodyPr>
           <a:lstStyle/>
           <a:p>
-            <a:pPr algn="ctr"/>
             <a:r>
               <a:rPr lang="en-US" dirty="0"/>
               <a:t>For reference-</a:t>
             </a:r>
           </a:p>
           <a:p>
-            <a:pPr marL="285750" indent="-285750" algn="ctr">
+            <a:pPr marL="285750" indent="-285750">
               <a:buFont typeface="Arial" panose="020B0604020202020204" pitchFamily="34" charset="0"/>
               <a:buChar char="•"/>
             </a:pPr>
@@ -26385,7 +26361,7 @@
             <a:endParaRPr lang="en-US" dirty="0"/>
           </a:p>
           <a:p>
-            <a:pPr marL="285750" indent="-285750" algn="ctr">
+            <a:pPr marL="285750" indent="-285750">
               <a:buFont typeface="Arial" panose="020B0604020202020204" pitchFamily="34" charset="0"/>
               <a:buChar char="•"/>
             </a:pPr>
@@ -26456,14 +26432,13 @@
           </a:bodyPr>
           <a:lstStyle/>
           <a:p>
-            <a:pPr algn="ctr"/>
             <a:r>
               <a:rPr lang="en-US" dirty="0"/>
               <a:t>For reference-</a:t>
             </a:r>
           </a:p>
           <a:p>
-            <a:pPr marL="285750" indent="-285750" algn="ctr">
+            <a:pPr marL="285750" indent="-285750">
               <a:buFont typeface="Arial" panose="020B0604020202020204" pitchFamily="34" charset="0"/>
               <a:buChar char="•"/>
             </a:pPr>
@@ -26473,7 +26448,7 @@
             </a:r>
           </a:p>
           <a:p>
-            <a:pPr marL="285750" indent="-285750" algn="ctr">
+            <a:pPr marL="285750" indent="-285750">
               <a:buFont typeface="Arial" panose="020B0604020202020204" pitchFamily="34" charset="0"/>
               <a:buChar char="•"/>
             </a:pPr>
@@ -26797,29 +26772,28 @@
           </a:bodyPr>
           <a:lstStyle/>
           <a:p>
-            <a:pPr algn="ctr"/>
-            <a:r>
-              <a:rPr lang="en-US"/>
+            <a:r>
+              <a:rPr lang="en-US" dirty="0"/>
               <a:t>For reference-</a:t>
             </a:r>
           </a:p>
           <a:p>
-            <a:pPr marL="285750" indent="-285750" algn="ctr">
+            <a:pPr marL="285750" indent="-285750">
               <a:buFont typeface="Arial" panose="020B0604020202020204" pitchFamily="34" charset="0"/>
               <a:buChar char="•"/>
             </a:pPr>
             <a:r>
-              <a:rPr lang="en-US"/>
+              <a:rPr lang="en-US" dirty="0"/>
               <a:t>0= no of customers has credit card</a:t>
             </a:r>
           </a:p>
           <a:p>
-            <a:pPr marL="285750" indent="-285750" algn="ctr">
+            <a:pPr marL="285750" indent="-285750">
               <a:buFont typeface="Arial" panose="020B0604020202020204" pitchFamily="34" charset="0"/>
               <a:buChar char="•"/>
             </a:pPr>
             <a:r>
-              <a:rPr lang="en-US"/>
+              <a:rPr lang="en-US" dirty="0"/>
               <a:t>1= no of customers not having credit card</a:t>
             </a:r>
             <a:endParaRPr lang="en-US" dirty="0"/>
@@ -26881,14 +26855,13 @@
           </a:bodyPr>
           <a:lstStyle/>
           <a:p>
-            <a:pPr algn="ctr"/>
             <a:r>
               <a:rPr lang="en-US" dirty="0"/>
               <a:t>For reference-</a:t>
             </a:r>
           </a:p>
           <a:p>
-            <a:pPr marL="285750" indent="-285750" algn="ctr">
+            <a:pPr marL="285750" indent="-285750">
               <a:buFont typeface="Arial" panose="020B0604020202020204" pitchFamily="34" charset="0"/>
               <a:buChar char="•"/>
             </a:pPr>
@@ -26903,7 +26876,7 @@
             <a:endParaRPr lang="en-US" dirty="0"/>
           </a:p>
           <a:p>
-            <a:pPr marL="285750" indent="-285750" algn="ctr">
+            <a:pPr marL="285750" indent="-285750">
               <a:buFont typeface="Arial" panose="020B0604020202020204" pitchFamily="34" charset="0"/>
               <a:buChar char="•"/>
             </a:pPr>
@@ -27224,14 +27197,13 @@
           </a:bodyPr>
           <a:lstStyle/>
           <a:p>
-            <a:pPr algn="ctr"/>
             <a:r>
               <a:rPr lang="en-US" dirty="0"/>
               <a:t>For reference-</a:t>
             </a:r>
           </a:p>
           <a:p>
-            <a:pPr marL="285750" indent="-285750" algn="ctr">
+            <a:pPr marL="285750" indent="-285750">
               <a:buFont typeface="Arial" panose="020B0604020202020204" pitchFamily="34" charset="0"/>
               <a:buChar char="•"/>
             </a:pPr>
@@ -27241,7 +27213,7 @@
             </a:r>
           </a:p>
           <a:p>
-            <a:pPr marL="285750" indent="-285750" algn="ctr">
+            <a:pPr marL="285750" indent="-285750">
               <a:buFont typeface="Arial" panose="020B0604020202020204" pitchFamily="34" charset="0"/>
               <a:buChar char="•"/>
             </a:pPr>
@@ -27308,14 +27280,13 @@
           </a:bodyPr>
           <a:lstStyle/>
           <a:p>
-            <a:pPr algn="ctr"/>
             <a:r>
               <a:rPr lang="en-US" dirty="0"/>
               <a:t>For reference-</a:t>
             </a:r>
           </a:p>
           <a:p>
-            <a:pPr marL="285750" indent="-285750" algn="ctr">
+            <a:pPr marL="285750" indent="-285750">
               <a:buFont typeface="Arial" panose="020B0604020202020204" pitchFamily="34" charset="0"/>
               <a:buChar char="•"/>
             </a:pPr>
@@ -27325,7 +27296,7 @@
             </a:r>
           </a:p>
           <a:p>
-            <a:pPr marL="285750" indent="-285750" algn="ctr">
+            <a:pPr marL="285750" indent="-285750">
               <a:buFont typeface="Arial" panose="020B0604020202020204" pitchFamily="34" charset="0"/>
               <a:buChar char="•"/>
             </a:pPr>
@@ -27772,7 +27743,7 @@
         </p:blipFill>
         <p:spPr>
           <a:xfrm>
-            <a:off x="6530342" y="1971841"/>
+            <a:off x="6513409" y="1689901"/>
             <a:ext cx="5238805" cy="3232761"/>
           </a:xfrm>
           <a:prstGeom prst="rect">
@@ -27800,33 +27771,19 @@
           <a:prstGeom prst="rect">
             <a:avLst/>
           </a:prstGeom>
-          <a:solidFill>
-            <a:schemeClr val="tx1"/>
-          </a:solidFill>
-          <a:ln w="3175">
-            <a:solidFill>
-              <a:schemeClr val="bg1"/>
-            </a:solidFill>
-          </a:ln>
-          <a:effectLst>
-            <a:glow rad="165100">
-              <a:schemeClr val="bg1">
-                <a:alpha val="9000"/>
-              </a:schemeClr>
-            </a:glow>
-          </a:effectLst>
+          <a:ln/>
         </p:spPr>
         <p:style>
           <a:lnRef idx="2">
-            <a:schemeClr val="accent1">
+            <a:schemeClr val="dk1">
               <a:shade val="50000"/>
             </a:schemeClr>
           </a:lnRef>
           <a:fillRef idx="1">
-            <a:schemeClr val="accent1"/>
+            <a:schemeClr val="dk1"/>
           </a:fillRef>
           <a:effectRef idx="0">
-            <a:schemeClr val="accent1"/>
+            <a:schemeClr val="dk1"/>
           </a:effectRef>
           <a:fontRef idx="minor">
             <a:schemeClr val="lt1"/>
@@ -28050,7 +28007,7 @@
         </p:blipFill>
         <p:spPr>
           <a:xfrm>
-            <a:off x="673949" y="540032"/>
+            <a:off x="673949" y="798794"/>
             <a:ext cx="4805833" cy="3565244"/>
           </a:xfrm>
           <a:prstGeom prst="rect">
@@ -28080,7 +28037,7 @@
         </p:blipFill>
         <p:spPr>
           <a:xfrm>
-            <a:off x="6524078" y="540032"/>
+            <a:off x="6583344" y="798794"/>
             <a:ext cx="5195905" cy="3565244"/>
           </a:xfrm>
           <a:prstGeom prst="rect">
@@ -28146,6 +28103,56 @@
           <a:p>
             <a:pPr algn="ctr"/>
             <a:endParaRPr lang="en-US"/>
+          </a:p>
+        </p:txBody>
+      </p:sp>
+      <p:sp>
+        <p:nvSpPr>
+          <p:cNvPr id="3" name="Rectangle 2"/>
+          <p:cNvSpPr/>
+          <p:nvPr/>
+        </p:nvSpPr>
+        <p:spPr>
+          <a:xfrm>
+            <a:off x="673949" y="186267"/>
+            <a:ext cx="3686384" cy="487659"/>
+          </a:xfrm>
+          <a:prstGeom prst="rect">
+            <a:avLst/>
+          </a:prstGeom>
+          <a:ln/>
+        </p:spPr>
+        <p:style>
+          <a:lnRef idx="2">
+            <a:schemeClr val="dk1">
+              <a:shade val="50000"/>
+            </a:schemeClr>
+          </a:lnRef>
+          <a:fillRef idx="1">
+            <a:schemeClr val="dk1"/>
+          </a:fillRef>
+          <a:effectRef idx="0">
+            <a:schemeClr val="dk1"/>
+          </a:effectRef>
+          <a:fontRef idx="minor">
+            <a:schemeClr val="lt1"/>
+          </a:fontRef>
+        </p:style>
+        <p:txBody>
+          <a:bodyPr rot="0" spcFirstLastPara="0" vertOverflow="overflow" horzOverflow="overflow" vert="horz" wrap="square" lIns="91440" tIns="45720" rIns="91440" bIns="45720" numCol="1" spcCol="0" rtlCol="0" fromWordArt="0" anchor="ctr" anchorCtr="0" forceAA="0" compatLnSpc="1">
+            <a:prstTxWarp prst="textNoShape">
+              <a:avLst/>
+            </a:prstTxWarp>
+            <a:noAutofit/>
+          </a:bodyPr>
+          <a:lstStyle/>
+          <a:p>
+            <a:pPr algn="ctr"/>
+            <a:r>
+              <a:rPr lang="en-US" sz="3600" dirty="0" smtClean="0"/>
+              <a:t>BOXPLOT</a:t>
+            </a:r>
+            <a:endParaRPr lang="en-US" sz="3600" dirty="0"/>
           </a:p>
         </p:txBody>
       </p:sp>
@@ -28244,7 +28251,7 @@
         </p:blipFill>
         <p:spPr>
           <a:xfrm>
-            <a:off x="1249623" y="812684"/>
+            <a:off x="497612" y="812684"/>
             <a:ext cx="6927912" cy="5369601"/>
           </a:xfrm>
         </p:spPr>
@@ -33267,8 +33274,12 @@
           <a:lstStyle/>
           <a:p>
             <a:r>
+              <a:rPr lang="en-US" sz="3500" b="0" dirty="0" smtClean="0"/>
+              <a:t>DROPPING  </a:t>
+            </a:r>
+            <a:r>
               <a:rPr lang="en-US" sz="3500" b="0" dirty="0"/>
-              <a:t>DROPPING UNNECESSARY  COLUMNS</a:t>
+              <a:t>UNNECESSARY  COLUMNS</a:t>
             </a:r>
           </a:p>
         </p:txBody>
@@ -33784,6 +33795,83 @@
           <a:p>
             <a:pPr algn="ctr"/>
             <a:endParaRPr lang="en-US"/>
+          </a:p>
+        </p:txBody>
+      </p:sp>
+      <p:sp>
+        <p:nvSpPr>
+          <p:cNvPr id="3" name="Rectangle 2"/>
+          <p:cNvSpPr/>
+          <p:nvPr/>
+        </p:nvSpPr>
+        <p:spPr>
+          <a:xfrm>
+            <a:off x="6807200" y="1380067"/>
+            <a:ext cx="4064000" cy="1481666"/>
+          </a:xfrm>
+          <a:prstGeom prst="rect">
+            <a:avLst/>
+          </a:prstGeom>
+          <a:ln/>
+        </p:spPr>
+        <p:style>
+          <a:lnRef idx="2">
+            <a:schemeClr val="dk1">
+              <a:shade val="50000"/>
+            </a:schemeClr>
+          </a:lnRef>
+          <a:fillRef idx="1">
+            <a:schemeClr val="dk1"/>
+          </a:fillRef>
+          <a:effectRef idx="0">
+            <a:schemeClr val="dk1"/>
+          </a:effectRef>
+          <a:fontRef idx="minor">
+            <a:schemeClr val="lt1"/>
+          </a:fontRef>
+        </p:style>
+        <p:txBody>
+          <a:bodyPr rot="0" spcFirstLastPara="0" vertOverflow="overflow" horzOverflow="overflow" vert="horz" wrap="square" lIns="91440" tIns="45720" rIns="91440" bIns="45720" numCol="1" spcCol="0" rtlCol="0" fromWordArt="0" anchor="ctr" anchorCtr="0" forceAA="0" compatLnSpc="1">
+            <a:prstTxWarp prst="textNoShape">
+              <a:avLst/>
+            </a:prstTxWarp>
+            <a:noAutofit/>
+          </a:bodyPr>
+          <a:lstStyle/>
+          <a:p>
+            <a:r>
+              <a:rPr lang="en-US" dirty="0"/>
+              <a:t>For reference-</a:t>
+            </a:r>
+          </a:p>
+          <a:p>
+            <a:pPr marL="285750" indent="-285750">
+              <a:buFont typeface="Arial" panose="020B0604020202020204" pitchFamily="34" charset="0"/>
+              <a:buChar char="•"/>
+            </a:pPr>
+            <a:r>
+              <a:rPr lang="en-US" dirty="0"/>
+              <a:t>0= no of customers retained</a:t>
+            </a:r>
+          </a:p>
+          <a:p>
+            <a:pPr marL="285750" indent="-285750">
+              <a:buFont typeface="Arial" panose="020B0604020202020204" pitchFamily="34" charset="0"/>
+              <a:buChar char="•"/>
+            </a:pPr>
+            <a:r>
+              <a:rPr lang="en-US" dirty="0"/>
+              <a:t>1= no of customers leaving the </a:t>
+            </a:r>
+            <a:r>
+              <a:rPr lang="en-US" dirty="0" err="1"/>
+              <a:t>organinsation</a:t>
+            </a:r>
+            <a:endParaRPr lang="en-US" dirty="0"/>
+          </a:p>
+          <a:p>
+            <a:pPr algn="ctr"/>
+            <a:endParaRPr lang="en-US" dirty="0"/>
           </a:p>
         </p:txBody>
       </p:sp>
@@ -35057,14 +35145,13 @@
           </a:bodyPr>
           <a:lstStyle/>
           <a:p>
-            <a:pPr algn="ctr"/>
             <a:r>
               <a:rPr lang="en-US" dirty="0" smtClean="0"/>
               <a:t>For reference-</a:t>
             </a:r>
           </a:p>
           <a:p>
-            <a:pPr marL="285750" indent="-285750" algn="ctr">
+            <a:pPr marL="285750" indent="-285750">
               <a:buFont typeface="Arial" panose="020B0604020202020204" pitchFamily="34" charset="0"/>
               <a:buChar char="•"/>
             </a:pPr>
@@ -35078,7 +35165,7 @@
             </a:r>
           </a:p>
           <a:p>
-            <a:pPr marL="285750" indent="-285750" algn="ctr">
+            <a:pPr marL="285750" indent="-285750">
               <a:buFont typeface="Arial" panose="020B0604020202020204" pitchFamily="34" charset="0"/>
               <a:buChar char="•"/>
             </a:pPr>
